--- a/Big Mountain Ski Resort.pptx
+++ b/Big Mountain Ski Resort.pptx
@@ -21,7 +21,7 @@
     <p:sldId id="332" r:id="rId12"/>
   </p:sldIdLst>
   <p:sldSz cx="12192000" cy="6858000"/>
-  <p:notesSz cx="6858000" cy="9144000"/>
+  <p:notesSz cx="7315200" cy="9601200"/>
   <p:defaultTextStyle>
     <a:defPPr>
       <a:defRPr lang="en-US"/>
@@ -8374,17 +8374,17 @@
         <p:spPr>
           <a:xfrm>
             <a:off x="0" y="0"/>
-            <a:ext cx="2971800" cy="458788"/>
+            <a:ext cx="3169920" cy="481727"/>
           </a:xfrm>
           <a:prstGeom prst="rect">
             <a:avLst/>
           </a:prstGeom>
         </p:spPr>
         <p:txBody>
-          <a:bodyPr vert="horz" lIns="91440" tIns="45720" rIns="91440" bIns="45720" rtlCol="0"/>
+          <a:bodyPr vert="horz" lIns="96661" tIns="48331" rIns="96661" bIns="48331" rtlCol="0"/>
           <a:lstStyle>
             <a:lvl1pPr algn="l">
-              <a:defRPr sz="1200"/>
+              <a:defRPr sz="1300"/>
             </a:lvl1pPr>
           </a:lstStyle>
           <a:p>
@@ -8410,24 +8410,24 @@
         </p:nvSpPr>
         <p:spPr>
           <a:xfrm>
-            <a:off x="3884613" y="0"/>
-            <a:ext cx="2971800" cy="458788"/>
+            <a:off x="4143587" y="0"/>
+            <a:ext cx="3169920" cy="481727"/>
           </a:xfrm>
           <a:prstGeom prst="rect">
             <a:avLst/>
           </a:prstGeom>
         </p:spPr>
         <p:txBody>
-          <a:bodyPr vert="horz" lIns="91440" tIns="45720" rIns="91440" bIns="45720" rtlCol="0"/>
+          <a:bodyPr vert="horz" lIns="96661" tIns="48331" rIns="96661" bIns="48331" rtlCol="0"/>
           <a:lstStyle>
             <a:lvl1pPr algn="r">
-              <a:defRPr sz="1200"/>
+              <a:defRPr sz="1300"/>
             </a:lvl1pPr>
           </a:lstStyle>
           <a:p>
             <a:fld id="{EF1077DB-935E-4A0A-947A-D283B9F9F452}" type="datetimeFigureOut">
               <a:rPr lang="en-US" smtClean="0"/>
-              <a:t>10/3/2020</a:t>
+              <a:t>10/4/2020</a:t>
             </a:fld>
             <a:endParaRPr lang="en-US" dirty="0"/>
           </a:p>
@@ -8451,18 +8451,18 @@
         </p:nvSpPr>
         <p:spPr>
           <a:xfrm>
-            <a:off x="0" y="8685213"/>
-            <a:ext cx="2971800" cy="458787"/>
+            <a:off x="0" y="9119474"/>
+            <a:ext cx="3169920" cy="481726"/>
           </a:xfrm>
           <a:prstGeom prst="rect">
             <a:avLst/>
           </a:prstGeom>
         </p:spPr>
         <p:txBody>
-          <a:bodyPr vert="horz" lIns="91440" tIns="45720" rIns="91440" bIns="45720" rtlCol="0" anchor="b"/>
+          <a:bodyPr vert="horz" lIns="96661" tIns="48331" rIns="96661" bIns="48331" rtlCol="0" anchor="b"/>
           <a:lstStyle>
             <a:lvl1pPr algn="l">
-              <a:defRPr sz="1200"/>
+              <a:defRPr sz="1300"/>
             </a:lvl1pPr>
           </a:lstStyle>
           <a:p>
@@ -8488,18 +8488,18 @@
         </p:nvSpPr>
         <p:spPr>
           <a:xfrm>
-            <a:off x="3884613" y="8685213"/>
-            <a:ext cx="2971800" cy="458787"/>
+            <a:off x="4143587" y="9119474"/>
+            <a:ext cx="3169920" cy="481726"/>
           </a:xfrm>
           <a:prstGeom prst="rect">
             <a:avLst/>
           </a:prstGeom>
         </p:spPr>
         <p:txBody>
-          <a:bodyPr vert="horz" lIns="91440" tIns="45720" rIns="91440" bIns="45720" rtlCol="0" anchor="b"/>
+          <a:bodyPr vert="horz" lIns="96661" tIns="48331" rIns="96661" bIns="48331" rtlCol="0" anchor="b"/>
           <a:lstStyle>
             <a:lvl1pPr algn="r">
-              <a:defRPr sz="1200"/>
+              <a:defRPr sz="1300"/>
             </a:lvl1pPr>
           </a:lstStyle>
           <a:p>
@@ -8558,17 +8558,17 @@
         <p:spPr>
           <a:xfrm>
             <a:off x="0" y="0"/>
-            <a:ext cx="2971800" cy="458788"/>
+            <a:ext cx="3169920" cy="481727"/>
           </a:xfrm>
           <a:prstGeom prst="rect">
             <a:avLst/>
           </a:prstGeom>
         </p:spPr>
         <p:txBody>
-          <a:bodyPr vert="horz" lIns="91440" tIns="45720" rIns="91440" bIns="45720" rtlCol="0"/>
+          <a:bodyPr vert="horz" lIns="96661" tIns="48331" rIns="96661" bIns="48331" rtlCol="0"/>
           <a:lstStyle>
             <a:lvl1pPr algn="l">
-              <a:defRPr sz="1200"/>
+              <a:defRPr sz="1300"/>
             </a:lvl1pPr>
           </a:lstStyle>
           <a:p>
@@ -8588,24 +8588,24 @@
         </p:nvSpPr>
         <p:spPr>
           <a:xfrm>
-            <a:off x="3884613" y="0"/>
-            <a:ext cx="2971800" cy="458788"/>
+            <a:off x="4143587" y="0"/>
+            <a:ext cx="3169920" cy="481727"/>
           </a:xfrm>
           <a:prstGeom prst="rect">
             <a:avLst/>
           </a:prstGeom>
         </p:spPr>
         <p:txBody>
-          <a:bodyPr vert="horz" lIns="91440" tIns="45720" rIns="91440" bIns="45720" rtlCol="0"/>
+          <a:bodyPr vert="horz" lIns="96661" tIns="48331" rIns="96661" bIns="48331" rtlCol="0"/>
           <a:lstStyle>
             <a:lvl1pPr algn="r">
-              <a:defRPr sz="1200"/>
+              <a:defRPr sz="1300"/>
             </a:lvl1pPr>
           </a:lstStyle>
           <a:p>
             <a:fld id="{2D9EC30E-1A71-4188-9BE7-E2A64929A436}" type="datetimeFigureOut">
               <a:rPr lang="en-US" noProof="0" smtClean="0"/>
-              <a:t>10/3/2020</a:t>
+              <a:t>10/4/2020</a:t>
             </a:fld>
             <a:endParaRPr lang="en-US" noProof="0" dirty="0"/>
           </a:p>
@@ -8623,8 +8623,8 @@
         </p:nvSpPr>
         <p:spPr>
           <a:xfrm>
-            <a:off x="685800" y="1143000"/>
-            <a:ext cx="5486400" cy="3086100"/>
+            <a:off x="777875" y="1200150"/>
+            <a:ext cx="5759450" cy="3240088"/>
           </a:xfrm>
           <a:prstGeom prst="rect">
             <a:avLst/>
@@ -8637,7 +8637,7 @@
           </a:ln>
         </p:spPr>
         <p:txBody>
-          <a:bodyPr vert="horz" lIns="91440" tIns="45720" rIns="91440" bIns="45720" rtlCol="0" anchor="ctr"/>
+          <a:bodyPr vert="horz" lIns="96661" tIns="48331" rIns="96661" bIns="48331" rtlCol="0" anchor="ctr"/>
           <a:lstStyle/>
           <a:p>
             <a:endParaRPr lang="en-US" noProof="0" dirty="0"/>
@@ -8656,15 +8656,15 @@
         </p:nvSpPr>
         <p:spPr>
           <a:xfrm>
-            <a:off x="685800" y="4400550"/>
-            <a:ext cx="5486400" cy="3600450"/>
+            <a:off x="731520" y="4620577"/>
+            <a:ext cx="5852160" cy="3780473"/>
           </a:xfrm>
           <a:prstGeom prst="rect">
             <a:avLst/>
           </a:prstGeom>
         </p:spPr>
         <p:txBody>
-          <a:bodyPr vert="horz" lIns="91440" tIns="45720" rIns="91440" bIns="45720" rtlCol="0"/>
+          <a:bodyPr vert="horz" lIns="96661" tIns="48331" rIns="96661" bIns="48331" rtlCol="0"/>
           <a:lstStyle/>
           <a:p>
             <a:pPr lvl="0"/>
@@ -8715,18 +8715,18 @@
         </p:nvSpPr>
         <p:spPr>
           <a:xfrm>
-            <a:off x="0" y="8685213"/>
-            <a:ext cx="2971800" cy="458787"/>
+            <a:off x="0" y="9119474"/>
+            <a:ext cx="3169920" cy="481726"/>
           </a:xfrm>
           <a:prstGeom prst="rect">
             <a:avLst/>
           </a:prstGeom>
         </p:spPr>
         <p:txBody>
-          <a:bodyPr vert="horz" lIns="91440" tIns="45720" rIns="91440" bIns="45720" rtlCol="0" anchor="b"/>
+          <a:bodyPr vert="horz" lIns="96661" tIns="48331" rIns="96661" bIns="48331" rtlCol="0" anchor="b"/>
           <a:lstStyle>
             <a:lvl1pPr algn="l">
-              <a:defRPr sz="1200"/>
+              <a:defRPr sz="1300"/>
             </a:lvl1pPr>
           </a:lstStyle>
           <a:p>
@@ -8746,18 +8746,18 @@
         </p:nvSpPr>
         <p:spPr>
           <a:xfrm>
-            <a:off x="3884613" y="8685213"/>
-            <a:ext cx="2971800" cy="458787"/>
+            <a:off x="4143587" y="9119474"/>
+            <a:ext cx="3169920" cy="481726"/>
           </a:xfrm>
           <a:prstGeom prst="rect">
             <a:avLst/>
           </a:prstGeom>
         </p:spPr>
         <p:txBody>
-          <a:bodyPr vert="horz" lIns="91440" tIns="45720" rIns="91440" bIns="45720" rtlCol="0" anchor="b"/>
+          <a:bodyPr vert="horz" lIns="96661" tIns="48331" rIns="96661" bIns="48331" rtlCol="0" anchor="b"/>
           <a:lstStyle>
             <a:lvl1pPr algn="r">
-              <a:defRPr sz="1200"/>
+              <a:defRPr sz="1300"/>
             </a:lvl1pPr>
           </a:lstStyle>
           <a:p>
@@ -8923,7 +8923,7 @@
             </a:r>
           </a:p>
           <a:p>
-            <a:pPr marL="171450" indent="-171450">
+            <a:pPr marL="181240" indent="-181240">
               <a:buFont typeface="Arial" panose="020B0604020202020204" pitchFamily="34" charset="0"/>
               <a:buChar char="•"/>
             </a:pPr>
@@ -8933,7 +8933,7 @@
             </a:r>
           </a:p>
           <a:p>
-            <a:pPr marL="171450" indent="-171450">
+            <a:pPr marL="181240" indent="-181240">
               <a:buFont typeface="Arial" panose="020B0604020202020204" pitchFamily="34" charset="0"/>
               <a:buChar char="•"/>
             </a:pPr>
@@ -9129,7 +9129,7 @@
             </a:r>
           </a:p>
           <a:p>
-            <a:pPr marL="171450" indent="-171450">
+            <a:pPr marL="181240" indent="-181240">
               <a:buFont typeface="Arial" panose="020B0604020202020204" pitchFamily="34" charset="0"/>
               <a:buChar char="•"/>
             </a:pPr>
@@ -9139,7 +9139,7 @@
             </a:r>
           </a:p>
           <a:p>
-            <a:pPr marL="171450" indent="-171450">
+            <a:pPr marL="181240" indent="-181240">
               <a:buFont typeface="Arial" panose="020B0604020202020204" pitchFamily="34" charset="0"/>
               <a:buChar char="•"/>
             </a:pPr>
@@ -15963,7 +15963,7 @@
                 </a:solidFill>
               </a:rPr>
               <a:pPr/>
-              <a:t>10/3/2020</a:t>
+              <a:t>10/4/2020</a:t>
             </a:fld>
             <a:endParaRPr lang="en-US" sz="1100" dirty="0">
               <a:solidFill>
@@ -20835,24 +20835,6 @@
 </file>
 
 <file path=customXml/item1.xml><?xml version="1.0" encoding="utf-8"?>
-<p:properties xmlns:p="http://schemas.microsoft.com/office/2006/metadata/properties" xmlns:xsi="http://www.w3.org/2001/XMLSchema-instance" xmlns:pc="http://schemas.microsoft.com/office/infopath/2007/PartnerControls">
-  <documentManagement>
-    <Status xmlns="71af3243-3dd4-4a8d-8c0d-dd76da1f02a5">Not started</Status>
-    <MediaServiceKeyPoints xmlns="71af3243-3dd4-4a8d-8c0d-dd76da1f02a5" xsi:nil="true"/>
-  </documentManagement>
-</p:properties>
-</file>
-
-<file path=customXml/item2.xml><?xml version="1.0" encoding="utf-8"?>
-<?mso-contentType ?>
-<FormTemplates xmlns="http://schemas.microsoft.com/sharepoint/v3/contenttype/forms">
-  <Display>DocumentLibraryForm</Display>
-  <Edit>DocumentLibraryForm</Edit>
-  <New>DocumentLibraryForm</New>
-</FormTemplates>
-</file>
-
-<file path=customXml/item3.xml><?xml version="1.0" encoding="utf-8"?>
 <ct:contentTypeSchema xmlns:ct="http://schemas.microsoft.com/office/2006/metadata/contentType" xmlns:ma="http://schemas.microsoft.com/office/2006/metadata/properties/metaAttributes" ct:_="" ma:_="" ma:contentTypeName="Document" ma:contentTypeID="0x01010079F111ED35F8CC479449609E8A0923A6" ma:contentTypeVersion="12" ma:contentTypeDescription="Create a new document." ma:contentTypeScope="" ma:versionID="426e97fa315356fffbdcd9876fe988c2">
   <xsd:schema xmlns:xsd="http://www.w3.org/2001/XMLSchema" xmlns:xs="http://www.w3.org/2001/XMLSchema" xmlns:p="http://schemas.microsoft.com/office/2006/metadata/properties" xmlns:ns2="71af3243-3dd4-4a8d-8c0d-dd76da1f02a5" xmlns:ns3="16c05727-aa75-4e4a-9b5f-8a80a1165891" targetNamespace="http://schemas.microsoft.com/office/2006/metadata/properties" ma:root="true" ma:fieldsID="14b8f0def80e6d70ce3def20c90759ae" ns2:_="" ns3:_="">
     <xsd:import namespace="71af3243-3dd4-4a8d-8c0d-dd76da1f02a5"/>
@@ -21073,25 +21055,25 @@
 </ct:contentTypeSchema>
 </file>
 
-<file path=customXml/itemProps1.xml><?xml version="1.0" encoding="utf-8"?>
-<ds:datastoreItem xmlns:ds="http://schemas.openxmlformats.org/officeDocument/2006/customXml" ds:itemID="{4DEA9014-ED64-4558-B1E1-D03F0EE32BEB}">
-  <ds:schemaRefs>
-    <ds:schemaRef ds:uri="http://schemas.microsoft.com/office/2006/metadata/properties"/>
-    <ds:schemaRef ds:uri="http://schemas.microsoft.com/office/infopath/2007/PartnerControls"/>
-    <ds:schemaRef ds:uri="71af3243-3dd4-4a8d-8c0d-dd76da1f02a5"/>
-  </ds:schemaRefs>
-</ds:datastoreItem>
+<file path=customXml/item2.xml><?xml version="1.0" encoding="utf-8"?>
+<?mso-contentType ?>
+<FormTemplates xmlns="http://schemas.microsoft.com/sharepoint/v3/contenttype/forms">
+  <Display>DocumentLibraryForm</Display>
+  <Edit>DocumentLibraryForm</Edit>
+  <New>DocumentLibraryForm</New>
+</FormTemplates>
 </file>
 
-<file path=customXml/itemProps2.xml><?xml version="1.0" encoding="utf-8"?>
-<ds:datastoreItem xmlns:ds="http://schemas.openxmlformats.org/officeDocument/2006/customXml" ds:itemID="{05D99ABA-76CE-4A8E-B5F0-C051B96628DE}">
-  <ds:schemaRefs>
-    <ds:schemaRef ds:uri="http://schemas.microsoft.com/sharepoint/v3/contenttype/forms"/>
-  </ds:schemaRefs>
-</ds:datastoreItem>
+<file path=customXml/item3.xml><?xml version="1.0" encoding="utf-8"?>
+<p:properties xmlns:p="http://schemas.microsoft.com/office/2006/metadata/properties" xmlns:xsi="http://www.w3.org/2001/XMLSchema-instance" xmlns:pc="http://schemas.microsoft.com/office/infopath/2007/PartnerControls">
+  <documentManagement>
+    <Status xmlns="71af3243-3dd4-4a8d-8c0d-dd76da1f02a5">Not started</Status>
+    <MediaServiceKeyPoints xmlns="71af3243-3dd4-4a8d-8c0d-dd76da1f02a5" xsi:nil="true"/>
+  </documentManagement>
+</p:properties>
 </file>
 
-<file path=customXml/itemProps3.xml><?xml version="1.0" encoding="utf-8"?>
+<file path=customXml/itemProps1.xml><?xml version="1.0" encoding="utf-8"?>
 <ds:datastoreItem xmlns:ds="http://schemas.openxmlformats.org/officeDocument/2006/customXml" ds:itemID="{B19EB750-A6DA-4BE8-B87B-FC499FE73360}">
   <ds:schemaRefs>
     <ds:schemaRef ds:uri="http://schemas.microsoft.com/office/2006/metadata/contentType"/>
@@ -21108,4 +21090,29 @@
     <ds:schemaRef ds:uri="http://schemas.microsoft.com/internal/obd"/>
   </ds:schemaRefs>
 </ds:datastoreItem>
+</file>
+
+<file path=customXml/itemProps2.xml><?xml version="1.0" encoding="utf-8"?>
+<ds:datastoreItem xmlns:ds="http://schemas.openxmlformats.org/officeDocument/2006/customXml" ds:itemID="{05D99ABA-76CE-4A8E-B5F0-C051B96628DE}">
+  <ds:schemaRefs>
+    <ds:schemaRef ds:uri="http://schemas.microsoft.com/sharepoint/v3/contenttype/forms"/>
+  </ds:schemaRefs>
+</ds:datastoreItem>
+</file>
+
+<file path=customXml/itemProps3.xml><?xml version="1.0" encoding="utf-8"?>
+<ds:datastoreItem xmlns:ds="http://schemas.openxmlformats.org/officeDocument/2006/customXml" ds:itemID="{4DEA9014-ED64-4558-B1E1-D03F0EE32BEB}">
+  <ds:schemaRefs>
+    <ds:schemaRef ds:uri="http://schemas.microsoft.com/office/2006/documentManagement/types"/>
+    <ds:schemaRef ds:uri="http://purl.org/dc/elements/1.1/"/>
+    <ds:schemaRef ds:uri="16c05727-aa75-4e4a-9b5f-8a80a1165891"/>
+    <ds:schemaRef ds:uri="http://schemas.microsoft.com/office/infopath/2007/PartnerControls"/>
+    <ds:schemaRef ds:uri="http://purl.org/dc/terms/"/>
+    <ds:schemaRef ds:uri="http://schemas.microsoft.com/office/2006/metadata/properties"/>
+    <ds:schemaRef ds:uri="http://schemas.openxmlformats.org/package/2006/metadata/core-properties"/>
+    <ds:schemaRef ds:uri="71af3243-3dd4-4a8d-8c0d-dd76da1f02a5"/>
+    <ds:schemaRef ds:uri="http://www.w3.org/XML/1998/namespace"/>
+    <ds:schemaRef ds:uri="http://purl.org/dc/dcmitype/"/>
+  </ds:schemaRefs>
+</ds:datastoreItem>
 </file>